--- a/Resources/Portfolio-Project-1---Case-study.pptx
+++ b/Resources/Portfolio-Project-1---Case-study.pptx
@@ -14216,7 +14216,19 @@
                 <a:cs typeface="Open Sans SemiBold"/>
                 <a:sym typeface="Open Sans SemiBold"/>
               </a:rPr>
-              <a:t>An Ordering App Design for a restaurant</a:t>
+              <a:t>An Ordering App Design for </a:t>
+            </a:r>
+            <a:r>
+              <a:rPr lang="en" sz="3200">
+                <a:solidFill>
+                  <a:srgbClr val="FFFFFF"/>
+                </a:solidFill>
+                <a:latin typeface="Open Sans SemiBold"/>
+                <a:ea typeface="Open Sans SemiBold"/>
+                <a:cs typeface="Open Sans SemiBold"/>
+                <a:sym typeface="Open Sans SemiBold"/>
+              </a:rPr>
+              <a:t>a Restaurant</a:t>
             </a:r>
             <a:endParaRPr sz="3200" dirty="0">
               <a:solidFill>

--- a/Resources/Portfolio-Project-1---Case-study.pptx
+++ b/Resources/Portfolio-Project-1---Case-study.pptx
@@ -14207,6 +14207,18 @@
               <a:buNone/>
             </a:pPr>
             <a:r>
+              <a:rPr lang="en" sz="3200">
+                <a:solidFill>
+                  <a:srgbClr val="FFFFFF"/>
+                </a:solidFill>
+                <a:latin typeface="Open Sans SemiBold"/>
+                <a:ea typeface="Open Sans SemiBold"/>
+                <a:cs typeface="Open Sans SemiBold"/>
+                <a:sym typeface="Open Sans SemiBold"/>
+              </a:rPr>
+              <a:t>Ordering </a:t>
+            </a:r>
+            <a:r>
               <a:rPr lang="en" sz="3200" dirty="0">
                 <a:solidFill>
                   <a:srgbClr val="FFFFFF"/>
@@ -14216,19 +14228,7 @@
                 <a:cs typeface="Open Sans SemiBold"/>
                 <a:sym typeface="Open Sans SemiBold"/>
               </a:rPr>
-              <a:t>An Ordering App Design for </a:t>
-            </a:r>
-            <a:r>
-              <a:rPr lang="en" sz="3200">
-                <a:solidFill>
-                  <a:srgbClr val="FFFFFF"/>
-                </a:solidFill>
-                <a:latin typeface="Open Sans SemiBold"/>
-                <a:ea typeface="Open Sans SemiBold"/>
-                <a:cs typeface="Open Sans SemiBold"/>
-                <a:sym typeface="Open Sans SemiBold"/>
-              </a:rPr>
-              <a:t>a Restaurant</a:t>
+              <a:t>App Design for a Restaurant</a:t>
             </a:r>
             <a:endParaRPr sz="3200" dirty="0">
               <a:solidFill>
